--- a/E_Report Pseudo Code.pptx
+++ b/E_Report Pseudo Code.pptx
@@ -263,7 +263,7 @@
           <a:p>
             <a:fld id="{39762D56-7811-4B98-A72F-D8D4A19052D1}" type="datetimeFigureOut">
               <a:rPr lang="en-US" smtClean="0"/>
-              <a:t>1/4/2018</a:t>
+              <a:t>1/30/2018</a:t>
             </a:fld>
             <a:endParaRPr lang="en-US"/>
           </a:p>
@@ -461,7 +461,7 @@
           <a:p>
             <a:fld id="{39762D56-7811-4B98-A72F-D8D4A19052D1}" type="datetimeFigureOut">
               <a:rPr lang="en-US" smtClean="0"/>
-              <a:t>1/4/2018</a:t>
+              <a:t>1/30/2018</a:t>
             </a:fld>
             <a:endParaRPr lang="en-US"/>
           </a:p>
@@ -669,7 +669,7 @@
           <a:p>
             <a:fld id="{39762D56-7811-4B98-A72F-D8D4A19052D1}" type="datetimeFigureOut">
               <a:rPr lang="en-US" smtClean="0"/>
-              <a:t>1/4/2018</a:t>
+              <a:t>1/30/2018</a:t>
             </a:fld>
             <a:endParaRPr lang="en-US"/>
           </a:p>
@@ -867,7 +867,7 @@
           <a:p>
             <a:fld id="{39762D56-7811-4B98-A72F-D8D4A19052D1}" type="datetimeFigureOut">
               <a:rPr lang="en-US" smtClean="0"/>
-              <a:t>1/4/2018</a:t>
+              <a:t>1/30/2018</a:t>
             </a:fld>
             <a:endParaRPr lang="en-US"/>
           </a:p>
@@ -1142,7 +1142,7 @@
           <a:p>
             <a:fld id="{39762D56-7811-4B98-A72F-D8D4A19052D1}" type="datetimeFigureOut">
               <a:rPr lang="en-US" smtClean="0"/>
-              <a:t>1/4/2018</a:t>
+              <a:t>1/30/2018</a:t>
             </a:fld>
             <a:endParaRPr lang="en-US"/>
           </a:p>
@@ -1407,7 +1407,7 @@
           <a:p>
             <a:fld id="{39762D56-7811-4B98-A72F-D8D4A19052D1}" type="datetimeFigureOut">
               <a:rPr lang="en-US" smtClean="0"/>
-              <a:t>1/4/2018</a:t>
+              <a:t>1/30/2018</a:t>
             </a:fld>
             <a:endParaRPr lang="en-US"/>
           </a:p>
@@ -1819,7 +1819,7 @@
           <a:p>
             <a:fld id="{39762D56-7811-4B98-A72F-D8D4A19052D1}" type="datetimeFigureOut">
               <a:rPr lang="en-US" smtClean="0"/>
-              <a:t>1/4/2018</a:t>
+              <a:t>1/30/2018</a:t>
             </a:fld>
             <a:endParaRPr lang="en-US"/>
           </a:p>
@@ -1960,7 +1960,7 @@
           <a:p>
             <a:fld id="{39762D56-7811-4B98-A72F-D8D4A19052D1}" type="datetimeFigureOut">
               <a:rPr lang="en-US" smtClean="0"/>
-              <a:t>1/4/2018</a:t>
+              <a:t>1/30/2018</a:t>
             </a:fld>
             <a:endParaRPr lang="en-US"/>
           </a:p>
@@ -2073,7 +2073,7 @@
           <a:p>
             <a:fld id="{39762D56-7811-4B98-A72F-D8D4A19052D1}" type="datetimeFigureOut">
               <a:rPr lang="en-US" smtClean="0"/>
-              <a:t>1/4/2018</a:t>
+              <a:t>1/30/2018</a:t>
             </a:fld>
             <a:endParaRPr lang="en-US"/>
           </a:p>
@@ -2384,7 +2384,7 @@
           <a:p>
             <a:fld id="{39762D56-7811-4B98-A72F-D8D4A19052D1}" type="datetimeFigureOut">
               <a:rPr lang="en-US" smtClean="0"/>
-              <a:t>1/4/2018</a:t>
+              <a:t>1/30/2018</a:t>
             </a:fld>
             <a:endParaRPr lang="en-US"/>
           </a:p>
@@ -2672,7 +2672,7 @@
           <a:p>
             <a:fld id="{39762D56-7811-4B98-A72F-D8D4A19052D1}" type="datetimeFigureOut">
               <a:rPr lang="en-US" smtClean="0"/>
-              <a:t>1/4/2018</a:t>
+              <a:t>1/30/2018</a:t>
             </a:fld>
             <a:endParaRPr lang="en-US"/>
           </a:p>
@@ -2913,7 +2913,7 @@
           <a:p>
             <a:fld id="{39762D56-7811-4B98-A72F-D8D4A19052D1}" type="datetimeFigureOut">
               <a:rPr lang="en-US" smtClean="0"/>
-              <a:t>1/4/2018</a:t>
+              <a:t>1/30/2018</a:t>
             </a:fld>
             <a:endParaRPr lang="en-US"/>
           </a:p>
@@ -3350,6 +3350,9 @@
           <a:prstGeom prst="rect">
             <a:avLst/>
           </a:prstGeom>
+          <a:solidFill>
+            <a:schemeClr val="accent6"/>
+          </a:solidFill>
         </p:spPr>
         <p:style>
           <a:lnRef idx="2">
@@ -3406,6 +3409,9 @@
           <a:prstGeom prst="rect">
             <a:avLst/>
           </a:prstGeom>
+          <a:solidFill>
+            <a:srgbClr val="C00000"/>
+          </a:solidFill>
         </p:spPr>
         <p:style>
           <a:lnRef idx="2">
@@ -3462,6 +3468,9 @@
           <a:prstGeom prst="rect">
             <a:avLst/>
           </a:prstGeom>
+          <a:solidFill>
+            <a:schemeClr val="accent6"/>
+          </a:solidFill>
         </p:spPr>
         <p:style>
           <a:lnRef idx="2">
@@ -3518,6 +3527,9 @@
           <a:prstGeom prst="rect">
             <a:avLst/>
           </a:prstGeom>
+          <a:solidFill>
+            <a:schemeClr val="accent6"/>
+          </a:solidFill>
         </p:spPr>
         <p:style>
           <a:lnRef idx="2">
@@ -3637,6 +3649,9 @@
           <a:prstGeom prst="rect">
             <a:avLst/>
           </a:prstGeom>
+          <a:solidFill>
+            <a:schemeClr val="accent6"/>
+          </a:solidFill>
         </p:spPr>
         <p:style>
           <a:lnRef idx="2">
@@ -3693,6 +3708,9 @@
           <a:prstGeom prst="rect">
             <a:avLst/>
           </a:prstGeom>
+          <a:solidFill>
+            <a:schemeClr val="accent6"/>
+          </a:solidFill>
         </p:spPr>
         <p:style>
           <a:lnRef idx="2">
@@ -3785,6 +3803,9 @@
           <a:prstGeom prst="rect">
             <a:avLst/>
           </a:prstGeom>
+          <a:solidFill>
+            <a:schemeClr val="accent6"/>
+          </a:solidFill>
         </p:spPr>
         <p:style>
           <a:lnRef idx="2">
